--- a/task1/pre.pptx
+++ b/task1/pre.pptx
@@ -206,7 +206,7 @@
           <a:p>
             <a:fld id="{9B196031-32C1-4991-A603-F352925AF526}" type="datetimeFigureOut">
               <a:rPr lang="zh-CN" altLang="en-US" smtClean="0"/>
-              <a:t>2022/3/10</a:t>
+              <a:t>2022/3/17</a:t>
             </a:fld>
             <a:endParaRPr lang="zh-CN" altLang="en-US"/>
           </a:p>
@@ -788,7 +788,7 @@
           <a:p>
             <a:fld id="{15114D6D-FF8D-42D7-A3C6-E4FCF3660EBA}" type="datetime1">
               <a:rPr lang="zh-CN" altLang="en-US" smtClean="0"/>
-              <a:t>2022/3/10</a:t>
+              <a:t>2022/3/17</a:t>
             </a:fld>
             <a:endParaRPr lang="zh-CN" altLang="en-US"/>
           </a:p>
@@ -998,7 +998,7 @@
           <a:p>
             <a:fld id="{C971D623-C4D1-42E8-AD5E-9C0A239DCF44}" type="datetime1">
               <a:rPr lang="zh-CN" altLang="en-US" smtClean="0"/>
-              <a:t>2022/3/10</a:t>
+              <a:t>2022/3/17</a:t>
             </a:fld>
             <a:endParaRPr lang="zh-CN" altLang="en-US"/>
           </a:p>
@@ -1218,7 +1218,7 @@
           <a:p>
             <a:fld id="{5DD9986C-C0A9-4564-A4FB-263D964198E7}" type="datetime1">
               <a:rPr lang="zh-CN" altLang="en-US" smtClean="0"/>
-              <a:t>2022/3/10</a:t>
+              <a:t>2022/3/17</a:t>
             </a:fld>
             <a:endParaRPr lang="zh-CN" altLang="en-US"/>
           </a:p>
@@ -1428,7 +1428,7 @@
           <a:p>
             <a:fld id="{C3DC78F3-A064-4DE5-8596-252E8FA259C3}" type="datetime1">
               <a:rPr lang="zh-CN" altLang="en-US" smtClean="0"/>
-              <a:t>2022/3/10</a:t>
+              <a:t>2022/3/17</a:t>
             </a:fld>
             <a:endParaRPr lang="zh-CN" altLang="en-US"/>
           </a:p>
@@ -1715,7 +1715,7 @@
           <a:p>
             <a:fld id="{3D81C406-7D63-41F1-B974-8F7BB730B75B}" type="datetime1">
               <a:rPr lang="zh-CN" altLang="en-US" smtClean="0"/>
-              <a:t>2022/3/10</a:t>
+              <a:t>2022/3/17</a:t>
             </a:fld>
             <a:endParaRPr lang="zh-CN" altLang="en-US"/>
           </a:p>
@@ -1992,7 +1992,7 @@
           <a:p>
             <a:fld id="{2371B657-B00E-4849-9D4F-8537C11DD1ED}" type="datetime1">
               <a:rPr lang="zh-CN" altLang="en-US" smtClean="0"/>
-              <a:t>2022/3/10</a:t>
+              <a:t>2022/3/17</a:t>
             </a:fld>
             <a:endParaRPr lang="zh-CN" altLang="en-US"/>
           </a:p>
@@ -2416,7 +2416,7 @@
           <a:p>
             <a:fld id="{5110FD35-F31F-494E-8268-DDDB1B022ADB}" type="datetime1">
               <a:rPr lang="zh-CN" altLang="en-US" smtClean="0"/>
-              <a:t>2022/3/10</a:t>
+              <a:t>2022/3/17</a:t>
             </a:fld>
             <a:endParaRPr lang="zh-CN" altLang="en-US"/>
           </a:p>
@@ -2569,7 +2569,7 @@
           <a:p>
             <a:fld id="{43966285-FA5A-430B-9C63-A8D7B4905088}" type="datetime1">
               <a:rPr lang="zh-CN" altLang="en-US" smtClean="0"/>
-              <a:t>2022/3/10</a:t>
+              <a:t>2022/3/17</a:t>
             </a:fld>
             <a:endParaRPr lang="zh-CN" altLang="en-US"/>
           </a:p>
@@ -2694,7 +2694,7 @@
           <a:p>
             <a:fld id="{60496B53-5BF9-41DA-9CCF-DF30DD0CE99C}" type="datetime1">
               <a:rPr lang="zh-CN" altLang="en-US" smtClean="0"/>
-              <a:t>2022/3/10</a:t>
+              <a:t>2022/3/17</a:t>
             </a:fld>
             <a:endParaRPr lang="zh-CN" altLang="en-US"/>
           </a:p>
@@ -3017,7 +3017,7 @@
           <a:p>
             <a:fld id="{8E48301A-2502-47D0-BC4B-CEDBF4948C05}" type="datetime1">
               <a:rPr lang="zh-CN" altLang="en-US" smtClean="0"/>
-              <a:t>2022/3/10</a:t>
+              <a:t>2022/3/17</a:t>
             </a:fld>
             <a:endParaRPr lang="zh-CN" altLang="en-US"/>
           </a:p>
@@ -3317,7 +3317,7 @@
           <a:p>
             <a:fld id="{7D13D258-C3E0-40F5-96C6-57C7FA006EF4}" type="datetime1">
               <a:rPr lang="zh-CN" altLang="en-US" smtClean="0"/>
-              <a:t>2022/3/10</a:t>
+              <a:t>2022/3/17</a:t>
             </a:fld>
             <a:endParaRPr lang="zh-CN" altLang="en-US"/>
           </a:p>
@@ -3570,7 +3570,7 @@
           <a:p>
             <a:fld id="{75477609-DC59-4411-AD39-39FE2C20E74A}" type="datetime1">
               <a:rPr lang="zh-CN" altLang="en-US" smtClean="0"/>
-              <a:t>2022/3/10</a:t>
+              <a:t>2022/3/17</a:t>
             </a:fld>
             <a:endParaRPr lang="zh-CN" altLang="en-US"/>
           </a:p>
@@ -4165,7 +4165,7 @@
           <a:p>
             <a:fld id="{D849E30A-9B17-4255-8CBA-B8F0B0AC5C44}" type="datetime1">
               <a:rPr lang="zh-CN" altLang="en-US" smtClean="0"/>
-              <a:t>2022/3/10</a:t>
+              <a:t>2022/3/17</a:t>
             </a:fld>
             <a:endParaRPr lang="zh-CN" altLang="en-US"/>
           </a:p>
@@ -4565,7 +4565,7 @@
           <a:p>
             <a:fld id="{056FB188-6552-4B14-9291-1E7DFF5D7CB2}" type="datetime1">
               <a:rPr lang="zh-CN" altLang="en-US" smtClean="0"/>
-              <a:t>2022/3/10</a:t>
+              <a:t>2022/3/17</a:t>
             </a:fld>
             <a:endParaRPr lang="zh-CN" altLang="en-US"/>
           </a:p>
@@ -4871,7 +4871,7 @@
           <a:p>
             <a:fld id="{11C7C802-371A-4D23-B0D0-F480ABBDAC3C}" type="datetime1">
               <a:rPr lang="zh-CN" altLang="en-US" smtClean="0"/>
-              <a:t>2022/3/10</a:t>
+              <a:t>2022/3/17</a:t>
             </a:fld>
             <a:endParaRPr lang="zh-CN" altLang="en-US"/>
           </a:p>
@@ -5000,6 +5000,59 @@
           </a:prstGeom>
         </p:spPr>
       </p:pic>
+      <p:sp>
+        <p:nvSpPr>
+          <p:cNvPr id="13" name="文本框 12">
+            <a:extLst>
+              <a:ext uri="{FF2B5EF4-FFF2-40B4-BE49-F238E27FC236}">
+                <a16:creationId xmlns:a16="http://schemas.microsoft.com/office/drawing/2014/main" id="{7A9F25B6-A84F-48CF-B147-43B7E96FC607}"/>
+              </a:ext>
+            </a:extLst>
+          </p:cNvPr>
+          <p:cNvSpPr txBox="1"/>
+          <p:nvPr/>
+        </p:nvSpPr>
+        <p:spPr>
+          <a:xfrm>
+            <a:off x="3048811" y="5940851"/>
+            <a:ext cx="6094378" cy="830997"/>
+          </a:xfrm>
+          <a:prstGeom prst="rect">
+            <a:avLst/>
+          </a:prstGeom>
+          <a:noFill/>
+        </p:spPr>
+        <p:txBody>
+          <a:bodyPr wrap="square">
+            <a:spAutoFit/>
+          </a:bodyPr>
+          <a:lstStyle/>
+          <a:p>
+            <a:r>
+              <a:rPr lang="en-US" altLang="zh-CN" sz="1600" b="0" i="0" dirty="0">
+                <a:effectLst/>
+                <a:latin typeface="Inter"/>
+              </a:rPr>
+              <a:t>[1] Pang and L. Lee. 2005. </a:t>
+            </a:r>
+            <a:r>
+              <a:rPr lang="en-US" altLang="zh-CN" sz="1600" b="0" i="1" dirty="0">
+                <a:effectLst/>
+                <a:latin typeface="Inter"/>
+              </a:rPr>
+              <a:t>Seeing stars: Exploiting class relationships for sentiment categorization with respect to rating scales</a:t>
+            </a:r>
+            <a:r>
+              <a:rPr lang="en-US" altLang="zh-CN" sz="1600" b="0" i="0" dirty="0">
+                <a:effectLst/>
+                <a:latin typeface="Inter"/>
+              </a:rPr>
+              <a:t>. In ACL, pages 115–124.</a:t>
+            </a:r>
+            <a:endParaRPr lang="zh-CN" altLang="en-US" sz="1600" dirty="0"/>
+          </a:p>
+        </p:txBody>
+      </p:sp>
     </p:spTree>
     <p:extLst>
       <p:ext uri="{BB962C8B-B14F-4D97-AF65-F5344CB8AC3E}">
@@ -5249,7 +5302,7 @@
           <a:p>
             <a:fld id="{3CA48E5C-498A-4839-90A3-9A7AE4216765}" type="datetime1">
               <a:rPr lang="zh-CN" altLang="en-US" smtClean="0"/>
-              <a:t>2022/3/10</a:t>
+              <a:t>2022/3/17</a:t>
             </a:fld>
             <a:endParaRPr lang="zh-CN" altLang="en-US"/>
           </a:p>
@@ -7126,7 +7179,7 @@
           <a:p>
             <a:fld id="{08BDF53D-7FB1-48A2-A3A4-E9A73E041B9A}" type="datetime1">
               <a:rPr lang="zh-CN" altLang="en-US" smtClean="0"/>
-              <a:t>2022/3/10</a:t>
+              <a:t>2022/3/17</a:t>
             </a:fld>
             <a:endParaRPr lang="zh-CN" altLang="en-US"/>
           </a:p>
@@ -7417,7 +7470,7 @@
           <a:p>
             <a:fld id="{FABD3B39-FACC-433F-921B-C8AB9C85BA68}" type="datetime1">
               <a:rPr lang="zh-CN" altLang="en-US" smtClean="0"/>
-              <a:t>2022/3/10</a:t>
+              <a:t>2022/3/17</a:t>
             </a:fld>
             <a:endParaRPr lang="zh-CN" altLang="en-US"/>
           </a:p>
@@ -7758,7 +7811,7 @@
           <a:p>
             <a:fld id="{D7F117AA-35BF-43E4-B6F9-B9F4A61C46FD}" type="datetime1">
               <a:rPr lang="zh-CN" altLang="en-US" smtClean="0"/>
-              <a:t>2022/3/10</a:t>
+              <a:t>2022/3/17</a:t>
             </a:fld>
             <a:endParaRPr lang="zh-CN" altLang="en-US"/>
           </a:p>
@@ -8278,14 +8331,14 @@
           <a:effectLst/>
           <a:extLst>
             <a:ext uri="{909E8E84-426E-40dd-AFC4-6F175D3DCCD1}">
-              <a14:hiddenFill xmlns="" xmlns:a14="http://schemas.microsoft.com/office/drawing/2010/main">
+              <a14:hiddenFill xmlns:a14="http://schemas.microsoft.com/office/drawing/2010/main" xmlns="">
                 <a:solidFill>
                   <a:schemeClr val="accent1"/>
                 </a:solidFill>
               </a14:hiddenFill>
             </a:ext>
             <a:ext uri="{AF507438-7753-43e0-B8FC-AC1667EBCBE1}">
-              <a14:hiddenEffects xmlns="" xmlns:a14="http://schemas.microsoft.com/office/drawing/2010/main">
+              <a14:hiddenEffects xmlns:a14="http://schemas.microsoft.com/office/drawing/2010/main" xmlns="">
                 <a:effectLst>
                   <a:outerShdw blurRad="63500" dist="38099" dir="2700000" algn="ctr" rotWithShape="0">
                     <a:schemeClr val="bg2">
@@ -8407,14 +8460,14 @@
           <a:effectLst/>
           <a:extLst>
             <a:ext uri="{909E8E84-426E-40dd-AFC4-6F175D3DCCD1}">
-              <a14:hiddenFill xmlns="" xmlns:a14="http://schemas.microsoft.com/office/drawing/2010/main">
+              <a14:hiddenFill xmlns:a14="http://schemas.microsoft.com/office/drawing/2010/main" xmlns="">
                 <a:solidFill>
                   <a:schemeClr val="accent1"/>
                 </a:solidFill>
               </a14:hiddenFill>
             </a:ext>
             <a:ext uri="{AF507438-7753-43e0-B8FC-AC1667EBCBE1}">
-              <a14:hiddenEffects xmlns="" xmlns:a14="http://schemas.microsoft.com/office/drawing/2010/main">
+              <a14:hiddenEffects xmlns:a14="http://schemas.microsoft.com/office/drawing/2010/main" xmlns="">
                 <a:effectLst>
                   <a:outerShdw blurRad="63500" dist="38099" dir="2700000" algn="ctr" rotWithShape="0">
                     <a:schemeClr val="bg2">
@@ -8463,14 +8516,14 @@
           <a:effectLst/>
           <a:extLst>
             <a:ext uri="{909E8E84-426E-40dd-AFC4-6F175D3DCCD1}">
-              <a14:hiddenFill xmlns="" xmlns:a14="http://schemas.microsoft.com/office/drawing/2010/main">
+              <a14:hiddenFill xmlns:a14="http://schemas.microsoft.com/office/drawing/2010/main" xmlns="">
                 <a:solidFill>
                   <a:schemeClr val="accent1"/>
                 </a:solidFill>
               </a14:hiddenFill>
             </a:ext>
             <a:ext uri="{91240B29-F687-4f45-9708-019B960494DF}">
-              <a14:hiddenLine xmlns="" xmlns:a14="http://schemas.microsoft.com/office/drawing/2010/main" w="9525">
+              <a14:hiddenLine xmlns:a14="http://schemas.microsoft.com/office/drawing/2010/main" xmlns="" w="9525">
                 <a:solidFill>
                   <a:schemeClr val="tx1"/>
                 </a:solidFill>
@@ -8480,7 +8533,7 @@
               </a14:hiddenLine>
             </a:ext>
             <a:ext uri="{AF507438-7753-43e0-B8FC-AC1667EBCBE1}">
-              <a14:hiddenEffects xmlns="" xmlns:a14="http://schemas.microsoft.com/office/drawing/2010/main">
+              <a14:hiddenEffects xmlns:a14="http://schemas.microsoft.com/office/drawing/2010/main" xmlns="">
                 <a:effectLst>
                   <a:outerShdw blurRad="63500" dist="38099" dir="2700000" algn="ctr" rotWithShape="0">
                     <a:schemeClr val="bg2">
@@ -8539,12 +8592,12 @@
           <a:effectLst/>
           <a:extLst>
             <a:ext uri="{909E8E84-426E-40dd-AFC4-6F175D3DCCD1}">
-              <a14:hiddenFill xmlns="" xmlns:a14="http://schemas.microsoft.com/office/drawing/2010/main">
+              <a14:hiddenFill xmlns:a14="http://schemas.microsoft.com/office/drawing/2010/main" xmlns="">
                 <a:noFill/>
               </a14:hiddenFill>
             </a:ext>
             <a:ext uri="{AF507438-7753-43e0-B8FC-AC1667EBCBE1}">
-              <a14:hiddenEffects xmlns="" xmlns:a14="http://schemas.microsoft.com/office/drawing/2010/main">
+              <a14:hiddenEffects xmlns:a14="http://schemas.microsoft.com/office/drawing/2010/main" xmlns="">
                 <a:effectLst>
                   <a:outerShdw blurRad="63500" dist="38099" dir="2700000" algn="ctr" rotWithShape="0">
                     <a:schemeClr val="bg2">
@@ -8593,14 +8646,14 @@
           <a:effectLst/>
           <a:extLst>
             <a:ext uri="{909E8E84-426E-40dd-AFC4-6F175D3DCCD1}">
-              <a14:hiddenFill xmlns="" xmlns:a14="http://schemas.microsoft.com/office/drawing/2010/main">
+              <a14:hiddenFill xmlns:a14="http://schemas.microsoft.com/office/drawing/2010/main" xmlns="">
                 <a:solidFill>
                   <a:schemeClr val="accent1"/>
                 </a:solidFill>
               </a14:hiddenFill>
             </a:ext>
             <a:ext uri="{91240B29-F687-4f45-9708-019B960494DF}">
-              <a14:hiddenLine xmlns="" xmlns:a14="http://schemas.microsoft.com/office/drawing/2010/main" w="9525">
+              <a14:hiddenLine xmlns:a14="http://schemas.microsoft.com/office/drawing/2010/main" xmlns="" w="9525">
                 <a:solidFill>
                   <a:schemeClr val="tx1"/>
                 </a:solidFill>
@@ -8610,7 +8663,7 @@
               </a14:hiddenLine>
             </a:ext>
             <a:ext uri="{AF507438-7753-43e0-B8FC-AC1667EBCBE1}">
-              <a14:hiddenEffects xmlns="" xmlns:a14="http://schemas.microsoft.com/office/drawing/2010/main">
+              <a14:hiddenEffects xmlns:a14="http://schemas.microsoft.com/office/drawing/2010/main" xmlns="">
                 <a:effectLst>
                   <a:outerShdw blurRad="63500" dist="38099" dir="2700000" algn="ctr" rotWithShape="0">
                     <a:schemeClr val="bg2">
@@ -8674,12 +8727,12 @@
           <a:effectLst/>
           <a:extLst>
             <a:ext uri="{909E8E84-426E-40dd-AFC4-6F175D3DCCD1}">
-              <a14:hiddenFill xmlns="" xmlns:a14="http://schemas.microsoft.com/office/drawing/2010/main">
+              <a14:hiddenFill xmlns:a14="http://schemas.microsoft.com/office/drawing/2010/main" xmlns="">
                 <a:noFill/>
               </a14:hiddenFill>
             </a:ext>
             <a:ext uri="{AF507438-7753-43e0-B8FC-AC1667EBCBE1}">
-              <a14:hiddenEffects xmlns="" xmlns:a14="http://schemas.microsoft.com/office/drawing/2010/main">
+              <a14:hiddenEffects xmlns:a14="http://schemas.microsoft.com/office/drawing/2010/main" xmlns="">
                 <a:effectLst>
                   <a:outerShdw blurRad="63500" dist="38099" dir="2700000" algn="ctr" rotWithShape="0">
                     <a:schemeClr val="bg2">
@@ -8735,7 +8788,7 @@
           <a:effectLst/>
           <a:extLst>
             <a:ext uri="{AF507438-7753-43e0-B8FC-AC1667EBCBE1}">
-              <a14:hiddenEffects xmlns="" xmlns:a14="http://schemas.microsoft.com/office/drawing/2010/main">
+              <a14:hiddenEffects xmlns:a14="http://schemas.microsoft.com/office/drawing/2010/main" xmlns="">
                 <a:effectLst>
                   <a:outerShdw blurRad="63500" dist="38099" dir="2700000" algn="ctr" rotWithShape="0">
                     <a:schemeClr val="bg2">
@@ -8791,7 +8844,7 @@
           <a:effectLst/>
           <a:extLst>
             <a:ext uri="{AF507438-7753-43e0-B8FC-AC1667EBCBE1}">
-              <a14:hiddenEffects xmlns="" xmlns:a14="http://schemas.microsoft.com/office/drawing/2010/main">
+              <a14:hiddenEffects xmlns:a14="http://schemas.microsoft.com/office/drawing/2010/main" xmlns="">
                 <a:effectLst>
                   <a:outerShdw blurRad="63500" dist="38099" dir="2700000" algn="ctr" rotWithShape="0">
                     <a:schemeClr val="bg2">
@@ -8847,7 +8900,7 @@
           <a:effectLst/>
           <a:extLst>
             <a:ext uri="{AF507438-7753-43e0-B8FC-AC1667EBCBE1}">
-              <a14:hiddenEffects xmlns="" xmlns:a14="http://schemas.microsoft.com/office/drawing/2010/main">
+              <a14:hiddenEffects xmlns:a14="http://schemas.microsoft.com/office/drawing/2010/main" xmlns="">
                 <a:effectLst>
                   <a:outerShdw blurRad="63500" dist="38099" dir="2700000" algn="ctr" rotWithShape="0">
                     <a:schemeClr val="bg2">
@@ -8903,7 +8956,7 @@
           <a:effectLst/>
           <a:extLst>
             <a:ext uri="{AF507438-7753-43e0-B8FC-AC1667EBCBE1}">
-              <a14:hiddenEffects xmlns="" xmlns:a14="http://schemas.microsoft.com/office/drawing/2010/main">
+              <a14:hiddenEffects xmlns:a14="http://schemas.microsoft.com/office/drawing/2010/main" xmlns="">
                 <a:effectLst>
                   <a:outerShdw blurRad="63500" dist="38099" dir="2700000" algn="ctr" rotWithShape="0">
                     <a:schemeClr val="bg2">
@@ -8959,7 +9012,7 @@
           <a:effectLst/>
           <a:extLst>
             <a:ext uri="{AF507438-7753-43e0-B8FC-AC1667EBCBE1}">
-              <a14:hiddenEffects xmlns="" xmlns:a14="http://schemas.microsoft.com/office/drawing/2010/main">
+              <a14:hiddenEffects xmlns:a14="http://schemas.microsoft.com/office/drawing/2010/main" xmlns="">
                 <a:effectLst>
                   <a:outerShdw blurRad="63500" dist="38099" dir="2700000" algn="ctr" rotWithShape="0">
                     <a:schemeClr val="bg2">
@@ -9013,12 +9066,12 @@
           <a:effectLst/>
           <a:extLst>
             <a:ext uri="{909E8E84-426E-40dd-AFC4-6F175D3DCCD1}">
-              <a14:hiddenFill xmlns="" xmlns:a14="http://schemas.microsoft.com/office/drawing/2010/main">
+              <a14:hiddenFill xmlns:a14="http://schemas.microsoft.com/office/drawing/2010/main" xmlns="">
                 <a:noFill/>
               </a14:hiddenFill>
             </a:ext>
             <a:ext uri="{AF507438-7753-43e0-B8FC-AC1667EBCBE1}">
-              <a14:hiddenEffects xmlns="" xmlns:a14="http://schemas.microsoft.com/office/drawing/2010/main">
+              <a14:hiddenEffects xmlns:a14="http://schemas.microsoft.com/office/drawing/2010/main" xmlns="">
                 <a:effectLst>
                   <a:outerShdw blurRad="63500" dist="38099" dir="2700000" algn="ctr" rotWithShape="0">
                     <a:schemeClr val="bg2">
@@ -9072,12 +9125,12 @@
           <a:effectLst/>
           <a:extLst>
             <a:ext uri="{909E8E84-426E-40dd-AFC4-6F175D3DCCD1}">
-              <a14:hiddenFill xmlns="" xmlns:a14="http://schemas.microsoft.com/office/drawing/2010/main">
+              <a14:hiddenFill xmlns:a14="http://schemas.microsoft.com/office/drawing/2010/main" xmlns="">
                 <a:noFill/>
               </a14:hiddenFill>
             </a:ext>
             <a:ext uri="{AF507438-7753-43e0-B8FC-AC1667EBCBE1}">
-              <a14:hiddenEffects xmlns="" xmlns:a14="http://schemas.microsoft.com/office/drawing/2010/main">
+              <a14:hiddenEffects xmlns:a14="http://schemas.microsoft.com/office/drawing/2010/main" xmlns="">
                 <a:effectLst>
                   <a:outerShdw blurRad="63500" dist="38099" dir="2700000" algn="ctr" rotWithShape="0">
                     <a:schemeClr val="bg2">
@@ -9131,12 +9184,12 @@
           <a:effectLst/>
           <a:extLst>
             <a:ext uri="{909E8E84-426E-40dd-AFC4-6F175D3DCCD1}">
-              <a14:hiddenFill xmlns="" xmlns:a14="http://schemas.microsoft.com/office/drawing/2010/main">
+              <a14:hiddenFill xmlns:a14="http://schemas.microsoft.com/office/drawing/2010/main" xmlns="">
                 <a:noFill/>
               </a14:hiddenFill>
             </a:ext>
             <a:ext uri="{AF507438-7753-43e0-B8FC-AC1667EBCBE1}">
-              <a14:hiddenEffects xmlns="" xmlns:a14="http://schemas.microsoft.com/office/drawing/2010/main">
+              <a14:hiddenEffects xmlns:a14="http://schemas.microsoft.com/office/drawing/2010/main" xmlns="">
                 <a:effectLst>
                   <a:outerShdw blurRad="63500" dist="38099" dir="2700000" algn="ctr" rotWithShape="0">
                     <a:schemeClr val="bg2">
@@ -9190,12 +9243,12 @@
           <a:effectLst/>
           <a:extLst>
             <a:ext uri="{909E8E84-426E-40dd-AFC4-6F175D3DCCD1}">
-              <a14:hiddenFill xmlns="" xmlns:a14="http://schemas.microsoft.com/office/drawing/2010/main">
+              <a14:hiddenFill xmlns:a14="http://schemas.microsoft.com/office/drawing/2010/main" xmlns="">
                 <a:noFill/>
               </a14:hiddenFill>
             </a:ext>
             <a:ext uri="{AF507438-7753-43e0-B8FC-AC1667EBCBE1}">
-              <a14:hiddenEffects xmlns="" xmlns:a14="http://schemas.microsoft.com/office/drawing/2010/main">
+              <a14:hiddenEffects xmlns:a14="http://schemas.microsoft.com/office/drawing/2010/main" xmlns="">
                 <a:effectLst>
                   <a:outerShdw blurRad="63500" dist="38099" dir="2700000" algn="ctr" rotWithShape="0">
                     <a:schemeClr val="bg2">
@@ -9238,7 +9291,7 @@
           <a:p>
             <a:fld id="{7B76A9EE-5BB3-4FEC-81FE-D0DCBFCB4F83}" type="datetime1">
               <a:rPr lang="zh-CN" altLang="en-US" smtClean="0"/>
-              <a:t>2022/3/10</a:t>
+              <a:t>2022/3/17</a:t>
             </a:fld>
             <a:endParaRPr lang="zh-CN" altLang="en-US"/>
           </a:p>
@@ -9565,7 +9618,7 @@
           <a:p>
             <a:fld id="{7A4AC3F0-C66D-45D0-B4C0-FBF93CD317F2}" type="datetime1">
               <a:rPr lang="zh-CN" altLang="en-US" smtClean="0"/>
-              <a:t>2022/3/10</a:t>
+              <a:t>2022/3/17</a:t>
             </a:fld>
             <a:endParaRPr lang="zh-CN" altLang="en-US"/>
           </a:p>
@@ -9965,7 +10018,7 @@
           <a:p>
             <a:fld id="{9DDE468A-BA1E-4ABE-AA23-2C138AE4A76A}" type="datetime1">
               <a:rPr lang="zh-CN" altLang="en-US" smtClean="0"/>
-              <a:t>2022/3/10</a:t>
+              <a:t>2022/3/17</a:t>
             </a:fld>
             <a:endParaRPr lang="zh-CN" altLang="en-US"/>
           </a:p>
